--- a/BestBuyFridge/Web Scraping Project - Kevin.pptx
+++ b/BestBuyFridge/Web Scraping Project - Kevin.pptx
@@ -15,8 +15,9 @@
     <p:sldId id="264" r:id="rId9"/>
     <p:sldId id="267" r:id="rId10"/>
     <p:sldId id="268" r:id="rId11"/>
-    <p:sldId id="265" r:id="rId12"/>
-    <p:sldId id="266" r:id="rId13"/>
+    <p:sldId id="269" r:id="rId12"/>
+    <p:sldId id="265" r:id="rId13"/>
+    <p:sldId id="266" r:id="rId14"/>
   </p:sldIdLst>
   <p:sldSz cx="12192000" cy="6858000"/>
   <p:notesSz cx="6858000" cy="9144000"/>
@@ -4128,6 +4129,144 @@
       </p:grpSpPr>
       <p:sp>
         <p:nvSpPr>
+          <p:cNvPr id="2" name="Title 1">
+            <a:extLst>
+              <a:ext uri="{FF2B5EF4-FFF2-40B4-BE49-F238E27FC236}">
+                <a16:creationId xmlns:a16="http://schemas.microsoft.com/office/drawing/2014/main" id="{689B1235-8491-436E-9628-CB2C9DD35B46}"/>
+              </a:ext>
+            </a:extLst>
+          </p:cNvPr>
+          <p:cNvSpPr>
+            <a:spLocks noGrp="1"/>
+          </p:cNvSpPr>
+          <p:nvPr>
+            <p:ph type="title"/>
+          </p:nvPr>
+        </p:nvSpPr>
+        <p:spPr>
+          <a:xfrm>
+            <a:off x="838200" y="904567"/>
+            <a:ext cx="10515600" cy="1871645"/>
+          </a:xfrm>
+        </p:spPr>
+        <p:txBody>
+          <a:bodyPr>
+            <a:noAutofit/>
+          </a:bodyPr>
+          <a:lstStyle/>
+          <a:p>
+            <a:r>
+              <a:rPr lang="en-US" dirty="0">
+                <a:solidFill>
+                  <a:srgbClr val="FF0000"/>
+                </a:solidFill>
+              </a:rPr>
+              <a:t>Suggestions for the prospect refrigerator buyers if you want to purchase it from Best Buy </a:t>
+            </a:r>
+          </a:p>
+        </p:txBody>
+      </p:sp>
+      <p:sp>
+        <p:nvSpPr>
+          <p:cNvPr id="4" name="Content Placeholder 3">
+            <a:extLst>
+              <a:ext uri="{FF2B5EF4-FFF2-40B4-BE49-F238E27FC236}">
+                <a16:creationId xmlns:a16="http://schemas.microsoft.com/office/drawing/2014/main" id="{F8C1B7B9-57B3-46E8-B5AA-01EA8ED3B8E6}"/>
+              </a:ext>
+            </a:extLst>
+          </p:cNvPr>
+          <p:cNvSpPr>
+            <a:spLocks noGrp="1"/>
+          </p:cNvSpPr>
+          <p:nvPr>
+            <p:ph idx="1"/>
+          </p:nvPr>
+        </p:nvSpPr>
+        <p:spPr>
+          <a:xfrm>
+            <a:off x="838200" y="3834581"/>
+            <a:ext cx="10832690" cy="1209368"/>
+          </a:xfrm>
+        </p:spPr>
+        <p:txBody>
+          <a:bodyPr/>
+          <a:lstStyle/>
+          <a:p>
+            <a:r>
+              <a:rPr lang="en-US" sz="4000" dirty="0"/>
+              <a:t>Brand is the most crucial factor affect the prices for you to select the most ideal refrigerator</a:t>
+            </a:r>
+          </a:p>
+          <a:p>
+            <a:pPr marL="0" indent="0">
+              <a:buNone/>
+            </a:pPr>
+            <a:endParaRPr lang="en-US" dirty="0"/>
+          </a:p>
+        </p:txBody>
+      </p:sp>
+      <p:pic>
+        <p:nvPicPr>
+          <p:cNvPr id="5" name="Picture 4">
+            <a:extLst>
+              <a:ext uri="{FF2B5EF4-FFF2-40B4-BE49-F238E27FC236}">
+                <a16:creationId xmlns:a16="http://schemas.microsoft.com/office/drawing/2014/main" id="{43C58C37-B833-45C6-B12C-191204C0C9C7}"/>
+              </a:ext>
+            </a:extLst>
+          </p:cNvPr>
+          <p:cNvPicPr>
+            <a:picLocks noChangeAspect="1"/>
+          </p:cNvPicPr>
+          <p:nvPr/>
+        </p:nvPicPr>
+        <p:blipFill>
+          <a:blip r:embed="rId2"/>
+          <a:stretch>
+            <a:fillRect/>
+          </a:stretch>
+        </p:blipFill>
+        <p:spPr>
+          <a:xfrm>
+            <a:off x="838200" y="2855331"/>
+            <a:ext cx="968170" cy="900132"/>
+          </a:xfrm>
+          <a:prstGeom prst="rect">
+            <a:avLst/>
+          </a:prstGeom>
+        </p:spPr>
+      </p:pic>
+    </p:spTree>
+    <p:extLst>
+      <p:ext uri="{BB962C8B-B14F-4D97-AF65-F5344CB8AC3E}">
+        <p14:creationId xmlns:p14="http://schemas.microsoft.com/office/powerpoint/2010/main" val="880919918"/>
+      </p:ext>
+    </p:extLst>
+  </p:cSld>
+  <p:clrMapOvr>
+    <a:masterClrMapping/>
+  </p:clrMapOvr>
+</p:sld>
+</file>
+
+<file path=ppt/slides/slide12.xml><?xml version="1.0" encoding="utf-8"?>
+<p:sld xmlns:a="http://schemas.openxmlformats.org/drawingml/2006/main" xmlns:r="http://schemas.openxmlformats.org/officeDocument/2006/relationships" xmlns:p="http://schemas.openxmlformats.org/presentationml/2006/main">
+  <p:cSld>
+    <p:spTree>
+      <p:nvGrpSpPr>
+        <p:cNvPr id="1" name=""/>
+        <p:cNvGrpSpPr/>
+        <p:nvPr/>
+      </p:nvGrpSpPr>
+      <p:grpSpPr>
+        <a:xfrm>
+          <a:off x="0" y="0"/>
+          <a:ext cx="0" cy="0"/>
+          <a:chOff x="0" y="0"/>
+          <a:chExt cx="0" cy="0"/>
+        </a:xfrm>
+      </p:grpSpPr>
+      <p:sp>
+        <p:nvSpPr>
           <p:cNvPr id="4" name="Title 1">
             <a:extLst>
               <a:ext uri="{FF2B5EF4-FFF2-40B4-BE49-F238E27FC236}">
@@ -4248,52 +4387,39 @@
             <a:r>
               <a:rPr lang="en-US" dirty="0">
                 <a:solidFill>
-                  <a:srgbClr val="002060"/>
+                  <a:schemeClr val="tx1"/>
                 </a:solidFill>
               </a:rPr>
-              <a:t>1. With my </a:t>
-            </a:r>
-          </a:p>
-          <a:p>
-            <a:pPr lvl="0"/>
+              <a:t>Time is limited for us, with more time, I would like to have a deeper understanding about my data, I would love to scrape more data such as “total capacity”, “freezer capacity” etc. I believe that with more categorical data, I can have a deeper and solid conclusion. It would be interesting to scrape all the refrigerator data from </a:t>
+            </a:r>
+            <a:r>
+              <a:rPr lang="en-US" dirty="0" err="1">
+                <a:solidFill>
+                  <a:schemeClr val="tx1"/>
+                </a:solidFill>
+              </a:rPr>
+              <a:t>PcRichard</a:t>
+            </a:r>
             <a:r>
               <a:rPr lang="en-US" dirty="0">
                 <a:solidFill>
-                  <a:srgbClr val="002060"/>
+                  <a:schemeClr val="tx1"/>
                 </a:solidFill>
               </a:rPr>
-              <a:t>2.</a:t>
+              <a:t> website by using selenium. And compare both my analysis. </a:t>
             </a:r>
           </a:p>
           <a:p>
             <a:pPr lvl="0"/>
-            <a:r>
-              <a:rPr lang="en-US" dirty="0">
-                <a:solidFill>
-                  <a:srgbClr val="002060"/>
-                </a:solidFill>
-              </a:rPr>
-              <a:t>3.</a:t>
-            </a:r>
+            <a:endParaRPr lang="en-US" dirty="0"/>
           </a:p>
           <a:p>
             <a:pPr lvl="0"/>
-            <a:r>
-              <a:rPr lang="en-US" dirty="0">
-                <a:solidFill>
-                  <a:srgbClr val="002060"/>
-                </a:solidFill>
-              </a:rPr>
-              <a:t>4.</a:t>
-            </a:r>
+            <a:endParaRPr lang="en-US" dirty="0"/>
           </a:p>
           <a:p>
             <a:pPr lvl="0"/>
-            <a:endParaRPr lang="en-US" dirty="0">
-              <a:solidFill>
-                <a:srgbClr val="002060"/>
-              </a:solidFill>
-            </a:endParaRPr>
+            <a:endParaRPr lang="en-US" dirty="0"/>
           </a:p>
           <a:p>
             <a:pPr lvl="0"/>
@@ -4314,7 +4440,7 @@
 </p:sld>
 </file>
 
-<file path=ppt/slides/slide12.xml><?xml version="1.0" encoding="utf-8"?>
+<file path=ppt/slides/slide13.xml><?xml version="1.0" encoding="utf-8"?>
 <p:sld xmlns:a="http://schemas.openxmlformats.org/drawingml/2006/main" xmlns:r="http://schemas.openxmlformats.org/officeDocument/2006/relationships" xmlns:p="http://schemas.openxmlformats.org/presentationml/2006/main">
   <p:cSld>
     <p:spTree>
@@ -4404,7 +4530,7 @@
                   <a:srgbClr val="002060"/>
                 </a:solidFill>
               </a:rPr>
-              <a:t>Q&amp;A</a:t>
+              <a:t>ANY QUESTIONS?</a:t>
             </a:r>
           </a:p>
           <a:p>
@@ -4481,7 +4607,7 @@
             <a:pPr algn="ctr"/>
             <a:r>
               <a:rPr lang="en-US" b="1" dirty="0"/>
-              <a:t>Thank you for your attention</a:t>
+              <a:t>Thank you for your patience</a:t>
             </a:r>
           </a:p>
         </p:txBody>
@@ -5147,7 +5273,7 @@
                   <a:srgbClr val="002060"/>
                 </a:solidFill>
               </a:rPr>
-              <a:t>What’s the most important factor influence the variation of the price?</a:t>
+              <a:t>What’s the most important Element influence the variation of the price?</a:t>
             </a:r>
           </a:p>
           <a:p>
@@ -5361,7 +5487,7 @@
                   <a:srgbClr val="002060"/>
                 </a:solidFill>
               </a:rPr>
-              <a:t>, the spider will go through each result page which shows 24 products per page. Spider will also go into individual product page to extract the data I need. I extracted 1000+ products after the spider went through the loop.</a:t>
+              <a:t>, the spider will go through each result page which shows 24 products per page and go into individual product page to extract the data I needed. I extracted 1000+ products after the spider went through the loop.</a:t>
             </a:r>
           </a:p>
           <a:p>
@@ -5381,7 +5507,7 @@
                   <a:srgbClr val="002060"/>
                 </a:solidFill>
               </a:rPr>
-              <a:t>For each refrigerator I found the following factors for my analysis:</a:t>
+              <a:t>For each refrigerator I found the following elements for my analysis:</a:t>
             </a:r>
           </a:p>
           <a:p>
@@ -5610,7 +5736,7 @@
                   <a:srgbClr val="002060"/>
                 </a:solidFill>
               </a:rPr>
-              <a:t>It took me a couple of hours to scrape all the data I need.  The majority of the raw data I grabbed from the websites is not in a workable form. Since I have a tremendous difficulty to grab the style category. I decided to extract the “style” column from the “product description”. See the screenshot below. </a:t>
+              <a:t>It took me a couple of hours to scrape all the data I needed.  The majority of the raw data I grabbed from the websites is not in a workable form. Since I have a tremendous difficulty to grab the style category. I decided to extract the “style” column from the “product description”. See the screenshot below. </a:t>
             </a:r>
             <a:r>
               <a:rPr lang="en-US" sz="1400" dirty="0" err="1">
@@ -7188,7 +7314,7 @@
             <a:pPr algn="ctr"/>
             <a:r>
               <a:rPr lang="en-US" dirty="0"/>
-              <a:t>Do higher number reviews cause the lower ratings?</a:t>
+              <a:t>Do higher number of reviews cause the lower ratings?</a:t>
             </a:r>
             <a:br>
               <a:rPr lang="en-US" dirty="0"/>
